--- a/4_frontend/Web page plan.pptx
+++ b/4_frontend/Web page plan.pptx
@@ -106,7 +106,41 @@
       </a:defRPr>
     </a:lvl9pPr>
   </p:defaultTextStyle>
+  <p:extLst>
+    <p:ext uri="{EFAFB233-063F-42B5-8137-9DF3F51BA10A}">
+      <p15:sldGuideLst xmlns:p15="http://schemas.microsoft.com/office/powerpoint/2012/main"/>
+    </p:ext>
+  </p:extLst>
 </p:presentation>
+</file>
+
+<file path=ppt/changesInfos/changesInfo1.xml><?xml version="1.0" encoding="utf-8"?>
+<pc:chgInfo xmlns:a="http://schemas.openxmlformats.org/drawingml/2006/main" xmlns:r="http://schemas.openxmlformats.org/officeDocument/2006/relationships" xmlns:ac="http://schemas.microsoft.com/office/drawing/2013/main/command" xmlns:pc="http://schemas.microsoft.com/office/powerpoint/2013/main/command">
+  <pc:docChgLst>
+    <pc:chgData name="Katherine Shamai" userId="1d9b402b02511d1e" providerId="LiveId" clId="{A605E587-BEAF-4B9A-925C-6193B3A73AED}"/>
+    <pc:docChg chg="modSld">
+      <pc:chgData name="Katherine Shamai" userId="1d9b402b02511d1e" providerId="LiveId" clId="{A605E587-BEAF-4B9A-925C-6193B3A73AED}" dt="2020-09-16T10:29:30.025" v="19" actId="20577"/>
+      <pc:docMkLst>
+        <pc:docMk/>
+      </pc:docMkLst>
+      <pc:sldChg chg="modSp mod">
+        <pc:chgData name="Katherine Shamai" userId="1d9b402b02511d1e" providerId="LiveId" clId="{A605E587-BEAF-4B9A-925C-6193B3A73AED}" dt="2020-09-16T10:29:30.025" v="19" actId="20577"/>
+        <pc:sldMkLst>
+          <pc:docMk/>
+          <pc:sldMk cId="493135418" sldId="256"/>
+        </pc:sldMkLst>
+        <pc:spChg chg="mod">
+          <ac:chgData name="Katherine Shamai" userId="1d9b402b02511d1e" providerId="LiveId" clId="{A605E587-BEAF-4B9A-925C-6193B3A73AED}" dt="2020-09-16T10:29:30.025" v="19" actId="20577"/>
+          <ac:spMkLst>
+            <pc:docMk/>
+            <pc:sldMk cId="493135418" sldId="256"/>
+            <ac:spMk id="6" creationId="{CD6FDE2C-72CB-4B39-B06D-442A143F7E60}"/>
+          </ac:spMkLst>
+        </pc:spChg>
+      </pc:sldChg>
+    </pc:docChg>
+  </pc:docChgLst>
+</pc:chgInfo>
 </file>
 
 <file path=ppt/slideLayouts/slideLayout1.xml><?xml version="1.0" encoding="utf-8"?>
@@ -3438,7 +3472,7 @@
             <a:pPr algn="ctr"/>
             <a:r>
               <a:rPr lang="en-US" dirty="0"/>
-              <a:t>Map with layers and marker for each species; potentially heat map</a:t>
+              <a:t>Map with layers and marker for each species; potentially heat map; movement over time</a:t>
             </a:r>
             <a:endParaRPr lang="en-AU" dirty="0"/>
           </a:p>
